--- a/60 - GUI Programming.pptx
+++ b/60 - GUI Programming.pptx
@@ -5,7 +5,7 @@
     <p:sldMasterId id="2147483890" r:id="rId1"/>
   </p:sldMasterIdLst>
   <p:notesMasterIdLst>
-    <p:notesMasterId r:id="rId10"/>
+    <p:notesMasterId r:id="rId11"/>
   </p:notesMasterIdLst>
   <p:sldIdLst>
     <p:sldId id="256" r:id="rId2"/>
@@ -13,9 +13,10 @@
     <p:sldId id="323" r:id="rId4"/>
     <p:sldId id="265" r:id="rId5"/>
     <p:sldId id="266" r:id="rId6"/>
-    <p:sldId id="267" r:id="rId7"/>
-    <p:sldId id="324" r:id="rId8"/>
-    <p:sldId id="322" r:id="rId9"/>
+    <p:sldId id="325" r:id="rId7"/>
+    <p:sldId id="267" r:id="rId8"/>
+    <p:sldId id="324" r:id="rId9"/>
+    <p:sldId id="322" r:id="rId10"/>
   </p:sldIdLst>
   <p:sldSz cx="12192000" cy="6858000"/>
   <p:notesSz cx="6858000" cy="9144000"/>
@@ -204,7 +205,7 @@
           <a:p>
             <a:fld id="{08AB9A53-2321-4507-AEDD-D090BCA0A583}" type="datetimeFigureOut">
               <a:rPr lang="en-IN" smtClean="0"/>
-              <a:t>12-08-2023</a:t>
+              <a:t>29-09-2023</a:t>
             </a:fld>
             <a:endParaRPr lang="en-IN"/>
           </a:p>
@@ -1194,7 +1195,7 @@
           <a:p>
             <a:fld id="{2FE2510D-258A-4AE9-A17F-3D891CB35D55}" type="datetime1">
               <a:rPr lang="en-US" smtClean="0"/>
-              <a:t>8/12/2023</a:t>
+              <a:t>9/29/2023</a:t>
             </a:fld>
             <a:endParaRPr lang="en-US" dirty="0"/>
           </a:p>
@@ -1445,7 +1446,7 @@
           <a:p>
             <a:fld id="{6FBC5B64-6E84-4D62-BE0A-83BE4A1D009E}" type="datetime1">
               <a:rPr lang="en-US" smtClean="0"/>
-              <a:t>8/12/2023</a:t>
+              <a:t>9/29/2023</a:t>
             </a:fld>
             <a:endParaRPr lang="en-US" dirty="0"/>
           </a:p>
@@ -1759,7 +1760,7 @@
           <a:p>
             <a:fld id="{2EA6FDB9-AAE1-4BCA-8F04-8E63DC58DED0}" type="datetime1">
               <a:rPr lang="en-US" smtClean="0"/>
-              <a:t>8/12/2023</a:t>
+              <a:t>9/29/2023</a:t>
             </a:fld>
             <a:endParaRPr lang="en-US" dirty="0"/>
           </a:p>
@@ -2100,7 +2101,7 @@
           <a:p>
             <a:fld id="{4734FCD4-1FFD-4F73-B511-FDC426F40F5E}" type="datetime1">
               <a:rPr lang="en-US" smtClean="0"/>
-              <a:t>8/12/2023</a:t>
+              <a:t>9/29/2023</a:t>
             </a:fld>
             <a:endParaRPr lang="en-US" dirty="0"/>
           </a:p>
@@ -2414,7 +2415,7 @@
           <a:p>
             <a:fld id="{1135079B-2B7B-4DCD-9CFE-77AC3EE21275}" type="datetime1">
               <a:rPr lang="en-US" smtClean="0"/>
-              <a:t>8/12/2023</a:t>
+              <a:t>9/29/2023</a:t>
             </a:fld>
             <a:endParaRPr lang="en-US" dirty="0"/>
           </a:p>
@@ -2807,7 +2808,7 @@
           <a:p>
             <a:fld id="{4BD03CA1-4642-46C6-B259-3EE3B2EFC8B2}" type="datetime1">
               <a:rPr lang="en-US" smtClean="0"/>
-              <a:t>8/12/2023</a:t>
+              <a:t>9/29/2023</a:t>
             </a:fld>
             <a:endParaRPr lang="en-US" dirty="0"/>
           </a:p>
@@ -2977,7 +2978,7 @@
           <a:p>
             <a:fld id="{C6313E70-D3C9-4F4B-BC8C-F708D9958E5D}" type="datetime1">
               <a:rPr lang="en-US" smtClean="0"/>
-              <a:t>8/12/2023</a:t>
+              <a:t>9/29/2023</a:t>
             </a:fld>
             <a:endParaRPr lang="en-US" dirty="0"/>
           </a:p>
@@ -3157,7 +3158,7 @@
           <a:p>
             <a:fld id="{03F0C189-C308-452A-ADCE-3F2FAEC80DDD}" type="datetime1">
               <a:rPr lang="en-US" smtClean="0"/>
-              <a:t>8/12/2023</a:t>
+              <a:t>9/29/2023</a:t>
             </a:fld>
             <a:endParaRPr lang="en-US" dirty="0"/>
           </a:p>
@@ -3333,7 +3334,7 @@
           <a:p>
             <a:fld id="{DD3C1E7D-6B35-4161-BF5F-B855E6633F9D}" type="datetime1">
               <a:rPr lang="en-US" smtClean="0"/>
-              <a:t>8/12/2023</a:t>
+              <a:t>9/29/2023</a:t>
             </a:fld>
             <a:endParaRPr lang="en-US" dirty="0"/>
           </a:p>
@@ -3580,7 +3581,7 @@
           <a:p>
             <a:fld id="{235B1B3B-ECF3-44F3-8924-67E2830A19EC}" type="datetime1">
               <a:rPr lang="en-US" smtClean="0"/>
-              <a:t>8/12/2023</a:t>
+              <a:t>9/29/2023</a:t>
             </a:fld>
             <a:endParaRPr lang="en-US" dirty="0"/>
           </a:p>
@@ -3812,7 +3813,7 @@
           <a:p>
             <a:fld id="{51711179-F173-4A73-99D0-FE5DCA4626E5}" type="datetime1">
               <a:rPr lang="en-US" smtClean="0"/>
-              <a:t>8/12/2023</a:t>
+              <a:t>9/29/2023</a:t>
             </a:fld>
             <a:endParaRPr lang="en-US" dirty="0"/>
           </a:p>
@@ -4186,7 +4187,7 @@
           <a:p>
             <a:fld id="{7E128DA8-95ED-470F-8C39-158D62BDFDAC}" type="datetime1">
               <a:rPr lang="en-US" smtClean="0"/>
-              <a:t>8/12/2023</a:t>
+              <a:t>9/29/2023</a:t>
             </a:fld>
             <a:endParaRPr lang="en-US" dirty="0"/>
           </a:p>
@@ -4309,7 +4310,7 @@
           <a:p>
             <a:fld id="{B3DE09CA-7266-4232-A593-0D87CE385B43}" type="datetime1">
               <a:rPr lang="en-US" smtClean="0"/>
-              <a:t>8/12/2023</a:t>
+              <a:t>9/29/2023</a:t>
             </a:fld>
             <a:endParaRPr lang="en-US" dirty="0"/>
           </a:p>
@@ -4404,7 +4405,7 @@
           <a:p>
             <a:fld id="{45E1782C-3599-4860-81A9-656B2B364E57}" type="datetime1">
               <a:rPr lang="en-US" smtClean="0"/>
-              <a:t>8/12/2023</a:t>
+              <a:t>9/29/2023</a:t>
             </a:fld>
             <a:endParaRPr lang="en-US" dirty="0"/>
           </a:p>
@@ -4659,7 +4660,7 @@
           <a:p>
             <a:fld id="{116EC375-B303-4BF8-83DB-65B8D7391020}" type="datetime1">
               <a:rPr lang="en-US" smtClean="0"/>
-              <a:t>8/12/2023</a:t>
+              <a:t>9/29/2023</a:t>
             </a:fld>
             <a:endParaRPr lang="en-US" dirty="0"/>
           </a:p>
@@ -4922,7 +4923,7 @@
           <a:p>
             <a:fld id="{F860CE40-A04A-408F-BB6E-2F9DED8FF9DE}" type="datetime1">
               <a:rPr lang="en-US" smtClean="0"/>
-              <a:t>8/12/2023</a:t>
+              <a:t>9/29/2023</a:t>
             </a:fld>
             <a:endParaRPr lang="en-US" dirty="0"/>
           </a:p>
@@ -5665,7 +5666,7 @@
           <a:p>
             <a:fld id="{6E3D3AD9-A8BA-4D2B-A793-6960F7F1182C}" type="datetime1">
               <a:rPr lang="en-US" smtClean="0"/>
-              <a:t>8/12/2023</a:t>
+              <a:t>9/29/2023</a:t>
             </a:fld>
             <a:endParaRPr lang="en-US" dirty="0"/>
           </a:p>
@@ -7067,7 +7068,12 @@
             <p:ph type="title"/>
           </p:nvPr>
         </p:nvSpPr>
-        <p:spPr/>
+        <p:spPr>
+          <a:xfrm>
+            <a:off x="677334" y="345440"/>
+            <a:ext cx="8596668" cy="1320800"/>
+          </a:xfrm>
+        </p:spPr>
         <p:txBody>
           <a:bodyPr/>
           <a:lstStyle/>
@@ -7079,6 +7085,10 @@
             <a:r>
               <a:rPr lang="en-IN" dirty="0" err="1"/>
               <a:t>ViewModel</a:t>
+            </a:r>
+            <a:r>
+              <a:rPr lang="en-IN"/>
+              <a:t> (MVVM)</a:t>
             </a:r>
             <a:endParaRPr lang="en-IN" dirty="0"/>
           </a:p>
@@ -7102,8 +7112,8 @@
         </p:nvSpPr>
         <p:spPr>
           <a:xfrm>
-            <a:off x="677334" y="1452880"/>
-            <a:ext cx="9624906" cy="5191760"/>
+            <a:off x="406400" y="1452880"/>
+            <a:ext cx="11409680" cy="5191760"/>
           </a:xfrm>
         </p:spPr>
         <p:txBody>
@@ -7112,166 +7122,391 @@
           </a:bodyPr>
           <a:lstStyle/>
           <a:p>
-            <a:r>
-              <a:rPr lang="en-IN" dirty="0">
-                <a:solidFill>
-                  <a:srgbClr val="171717"/>
-                </a:solidFill>
-                <a:latin typeface="Segoe UI" panose="020B0502040204020203" pitchFamily="34" charset="0"/>
-                <a:cs typeface="Segoe UI" panose="020B0502040204020203" pitchFamily="34" charset="0"/>
+            <a:endParaRPr lang="en-IN" dirty="0">
+              <a:solidFill>
+                <a:srgbClr val="171717"/>
+              </a:solidFill>
+              <a:latin typeface="Segoe UI" panose="020B0502040204020203" pitchFamily="34" charset="0"/>
+              <a:cs typeface="Segoe UI" panose="020B0502040204020203" pitchFamily="34" charset="0"/>
+            </a:endParaRPr>
+          </a:p>
+          <a:p>
+            <a:endParaRPr lang="en-IN" dirty="0">
+              <a:solidFill>
+                <a:srgbClr val="171717"/>
+              </a:solidFill>
+              <a:latin typeface="Segoe UI" panose="020B0502040204020203" pitchFamily="34" charset="0"/>
+              <a:cs typeface="Segoe UI" panose="020B0502040204020203" pitchFamily="34" charset="0"/>
+            </a:endParaRPr>
+          </a:p>
+          <a:p>
+            <a:endParaRPr lang="en-IN" dirty="0">
+              <a:solidFill>
+                <a:srgbClr val="171717"/>
+              </a:solidFill>
+              <a:latin typeface="Segoe UI" panose="020B0502040204020203" pitchFamily="34" charset="0"/>
+              <a:cs typeface="Segoe UI" panose="020B0502040204020203" pitchFamily="34" charset="0"/>
+            </a:endParaRPr>
+          </a:p>
+          <a:p>
+            <a:endParaRPr lang="en-IN" dirty="0">
+              <a:solidFill>
+                <a:srgbClr val="171717"/>
+              </a:solidFill>
+              <a:latin typeface="Segoe UI" panose="020B0502040204020203" pitchFamily="34" charset="0"/>
+              <a:cs typeface="Segoe UI" panose="020B0502040204020203" pitchFamily="34" charset="0"/>
+            </a:endParaRPr>
+          </a:p>
+          <a:p>
+            <a:pPr algn="just"/>
+            <a:endParaRPr lang="en-US" dirty="0">
+              <a:solidFill>
+                <a:srgbClr val="14171A"/>
+              </a:solidFill>
+              <a:latin typeface="Arial" panose="020B0604020202020204" pitchFamily="34" charset="0"/>
+              <a:cs typeface="Arial" panose="020B0604020202020204" pitchFamily="34" charset="0"/>
+            </a:endParaRPr>
+          </a:p>
+          <a:p>
+            <a:pPr algn="just"/>
+            <a:endParaRPr lang="en-US" dirty="0">
+              <a:solidFill>
+                <a:srgbClr val="14171A"/>
+              </a:solidFill>
+              <a:latin typeface="Arial" panose="020B0604020202020204" pitchFamily="34" charset="0"/>
+              <a:cs typeface="Arial" panose="020B0604020202020204" pitchFamily="34" charset="0"/>
+            </a:endParaRPr>
+          </a:p>
+          <a:p>
+            <a:pPr algn="just"/>
+            <a:r>
+              <a:rPr lang="en-US" dirty="0">
+                <a:solidFill>
+                  <a:srgbClr val="14171A"/>
+                </a:solidFill>
+                <a:latin typeface="Arial" panose="020B0604020202020204" pitchFamily="34" charset="0"/>
+                <a:cs typeface="Arial" panose="020B0604020202020204" pitchFamily="34" charset="0"/>
               </a:rPr>
-              <a:t>Advantages:</a:t>
-            </a:r>
-          </a:p>
-          <a:p>
-            <a:pPr lvl="1"/>
-            <a:r>
-              <a:rPr lang="en-IN" dirty="0">
-                <a:solidFill>
-                  <a:srgbClr val="171717"/>
-                </a:solidFill>
-                <a:latin typeface="Segoe UI" panose="020B0502040204020203" pitchFamily="34" charset="0"/>
-                <a:cs typeface="Segoe UI" panose="020B0502040204020203" pitchFamily="34" charset="0"/>
+              <a:t>MVVM</a:t>
+            </a:r>
+            <a:r>
+              <a:rPr lang="en-US" b="1" dirty="0">
+                <a:solidFill>
+                  <a:srgbClr val="14171A"/>
+                </a:solidFill>
+                <a:latin typeface="Arial" panose="020B0604020202020204" pitchFamily="34" charset="0"/>
+                <a:cs typeface="Arial" panose="020B0604020202020204" pitchFamily="34" charset="0"/>
               </a:rPr>
-              <a:t>Business logic separated from the UI layout. Connected via the </a:t>
-            </a:r>
-            <a:r>
-              <a:rPr lang="en-IN" dirty="0" err="1">
-                <a:solidFill>
-                  <a:srgbClr val="171717"/>
-                </a:solidFill>
-                <a:latin typeface="Segoe UI" panose="020B0502040204020203" pitchFamily="34" charset="0"/>
-                <a:cs typeface="Segoe UI" panose="020B0502040204020203" pitchFamily="34" charset="0"/>
+              <a:t>:</a:t>
+            </a:r>
+            <a:endParaRPr lang="en-US" b="1" i="0" dirty="0">
+              <a:solidFill>
+                <a:srgbClr val="14171A"/>
+              </a:solidFill>
+              <a:effectLst/>
+              <a:latin typeface="Arial" panose="020B0604020202020204" pitchFamily="34" charset="0"/>
+              <a:cs typeface="Arial" panose="020B0604020202020204" pitchFamily="34" charset="0"/>
+            </a:endParaRPr>
+          </a:p>
+          <a:p>
+            <a:pPr lvl="1" algn="just"/>
+            <a:r>
+              <a:rPr lang="en-US" b="1" i="0" dirty="0">
+                <a:solidFill>
+                  <a:srgbClr val="14171A"/>
+                </a:solidFill>
+                <a:effectLst/>
+                <a:latin typeface="Arial" panose="020B0604020202020204" pitchFamily="34" charset="0"/>
+                <a:cs typeface="Arial" panose="020B0604020202020204" pitchFamily="34" charset="0"/>
+              </a:rPr>
+              <a:t>Model</a:t>
+            </a:r>
+            <a:r>
+              <a:rPr lang="en-US" dirty="0">
+                <a:solidFill>
+                  <a:srgbClr val="14171A"/>
+                </a:solidFill>
+                <a:latin typeface="Arial" panose="020B0604020202020204" pitchFamily="34" charset="0"/>
+                <a:cs typeface="Arial" panose="020B0604020202020204" pitchFamily="34" charset="0"/>
+              </a:rPr>
+              <a:t>: Business </a:t>
+            </a:r>
+            <a:r>
+              <a:rPr lang="en-US" dirty="0" err="1">
+                <a:solidFill>
+                  <a:srgbClr val="14171A"/>
+                </a:solidFill>
+                <a:latin typeface="Arial" panose="020B0604020202020204" pitchFamily="34" charset="0"/>
+                <a:cs typeface="Arial" panose="020B0604020202020204" pitchFamily="34" charset="0"/>
+              </a:rPr>
+              <a:t>logic.</a:t>
+            </a:r>
+            <a:r>
+              <a:rPr lang="en-US" b="1" i="0" dirty="0" err="1">
+                <a:solidFill>
+                  <a:srgbClr val="14171A"/>
+                </a:solidFill>
+                <a:effectLst/>
+                <a:latin typeface="Arial" panose="020B0604020202020204" pitchFamily="34" charset="0"/>
+                <a:cs typeface="Arial" panose="020B0604020202020204" pitchFamily="34" charset="0"/>
               </a:rPr>
               <a:t>ViewModel</a:t>
             </a:r>
             <a:r>
-              <a:rPr lang="en-IN" dirty="0">
-                <a:solidFill>
-                  <a:srgbClr val="171717"/>
-                </a:solidFill>
-                <a:latin typeface="Segoe UI" panose="020B0502040204020203" pitchFamily="34" charset="0"/>
-                <a:cs typeface="Segoe UI" panose="020B0502040204020203" pitchFamily="34" charset="0"/>
+              <a:rPr lang="en-US" b="0" i="0" dirty="0">
+                <a:solidFill>
+                  <a:srgbClr val="14171A"/>
+                </a:solidFill>
+                <a:effectLst/>
+                <a:latin typeface="Arial" panose="020B0604020202020204" pitchFamily="34" charset="0"/>
+                <a:cs typeface="Arial" panose="020B0604020202020204" pitchFamily="34" charset="0"/>
               </a:rPr>
-              <a:t> adapter.</a:t>
-            </a:r>
-          </a:p>
-          <a:p>
-            <a:pPr lvl="1"/>
-            <a:r>
-              <a:rPr lang="en-IN" dirty="0">
-                <a:solidFill>
-                  <a:srgbClr val="171717"/>
-                </a:solidFill>
-                <a:latin typeface="Segoe UI" panose="020B0502040204020203" pitchFamily="34" charset="0"/>
-                <a:cs typeface="Segoe UI" panose="020B0502040204020203" pitchFamily="34" charset="0"/>
+              <a:t> is the layer that acts as a bridge between the </a:t>
+            </a:r>
+            <a:r>
+              <a:rPr lang="en-US" b="1" i="0" dirty="0">
+                <a:solidFill>
+                  <a:srgbClr val="14171A"/>
+                </a:solidFill>
+                <a:effectLst/>
+                <a:latin typeface="Arial" panose="020B0604020202020204" pitchFamily="34" charset="0"/>
+                <a:cs typeface="Arial" panose="020B0604020202020204" pitchFamily="34" charset="0"/>
               </a:rPr>
-              <a:t>The </a:t>
-            </a:r>
-            <a:r>
-              <a:rPr lang="en-IN" dirty="0" err="1">
-                <a:solidFill>
-                  <a:srgbClr val="171717"/>
-                </a:solidFill>
-                <a:latin typeface="Segoe UI" panose="020B0502040204020203" pitchFamily="34" charset="0"/>
-                <a:cs typeface="Segoe UI" panose="020B0502040204020203" pitchFamily="34" charset="0"/>
+              <a:t>View</a:t>
+            </a:r>
+            <a:r>
+              <a:rPr lang="en-US" b="0" i="0" dirty="0">
+                <a:solidFill>
+                  <a:srgbClr val="14171A"/>
+                </a:solidFill>
+                <a:effectLst/>
+                <a:latin typeface="Arial" panose="020B0604020202020204" pitchFamily="34" charset="0"/>
+                <a:cs typeface="Arial" panose="020B0604020202020204" pitchFamily="34" charset="0"/>
+              </a:rPr>
+              <a:t> and the </a:t>
+            </a:r>
+            <a:r>
+              <a:rPr lang="en-US" b="1" i="0" dirty="0">
+                <a:solidFill>
+                  <a:srgbClr val="14171A"/>
+                </a:solidFill>
+                <a:effectLst/>
+                <a:latin typeface="Arial" panose="020B0604020202020204" pitchFamily="34" charset="0"/>
+                <a:cs typeface="Arial" panose="020B0604020202020204" pitchFamily="34" charset="0"/>
+              </a:rPr>
+              <a:t>Model</a:t>
+            </a:r>
+            <a:r>
+              <a:rPr lang="en-US" b="0" i="0" dirty="0">
+                <a:solidFill>
+                  <a:srgbClr val="14171A"/>
+                </a:solidFill>
+                <a:effectLst/>
+                <a:latin typeface="Arial" panose="020B0604020202020204" pitchFamily="34" charset="0"/>
+                <a:cs typeface="Arial" panose="020B0604020202020204" pitchFamily="34" charset="0"/>
+              </a:rPr>
+              <a:t>. It may or may not transform the raw data from the </a:t>
+            </a:r>
+            <a:r>
+              <a:rPr lang="en-US" b="1" i="0" dirty="0">
+                <a:solidFill>
+                  <a:srgbClr val="14171A"/>
+                </a:solidFill>
+                <a:effectLst/>
+                <a:latin typeface="Arial" panose="020B0604020202020204" pitchFamily="34" charset="0"/>
+                <a:cs typeface="Arial" panose="020B0604020202020204" pitchFamily="34" charset="0"/>
+              </a:rPr>
+              <a:t>Model</a:t>
+            </a:r>
+            <a:r>
+              <a:rPr lang="en-US" b="0" i="0" dirty="0">
+                <a:solidFill>
+                  <a:srgbClr val="14171A"/>
+                </a:solidFill>
+                <a:effectLst/>
+                <a:latin typeface="Arial" panose="020B0604020202020204" pitchFamily="34" charset="0"/>
+                <a:cs typeface="Arial" panose="020B0604020202020204" pitchFamily="34" charset="0"/>
+              </a:rPr>
+              <a:t> into a presentable form for the </a:t>
+            </a:r>
+            <a:r>
+              <a:rPr lang="en-US" b="1" i="0" dirty="0">
+                <a:solidFill>
+                  <a:srgbClr val="14171A"/>
+                </a:solidFill>
+                <a:effectLst/>
+                <a:latin typeface="Arial" panose="020B0604020202020204" pitchFamily="34" charset="0"/>
+                <a:cs typeface="Arial" panose="020B0604020202020204" pitchFamily="34" charset="0"/>
+              </a:rPr>
+              <a:t>View</a:t>
+            </a:r>
+            <a:r>
+              <a:rPr lang="en-US" b="0" i="0" dirty="0">
+                <a:solidFill>
+                  <a:srgbClr val="14171A"/>
+                </a:solidFill>
+                <a:effectLst/>
+                <a:latin typeface="Arial" panose="020B0604020202020204" pitchFamily="34" charset="0"/>
+                <a:cs typeface="Arial" panose="020B0604020202020204" pitchFamily="34" charset="0"/>
+              </a:rPr>
+              <a:t>. An example transformation would be: a </a:t>
+            </a:r>
+            <a:r>
+              <a:rPr lang="en-US" b="0" i="0" dirty="0" err="1">
+                <a:solidFill>
+                  <a:srgbClr val="14171A"/>
+                </a:solidFill>
+                <a:effectLst/>
+                <a:latin typeface="Arial" panose="020B0604020202020204" pitchFamily="34" charset="0"/>
+                <a:cs typeface="Arial" panose="020B0604020202020204" pitchFamily="34" charset="0"/>
+              </a:rPr>
+              <a:t>boolean</a:t>
+            </a:r>
+            <a:r>
+              <a:rPr lang="en-US" b="0" i="0" dirty="0">
+                <a:solidFill>
+                  <a:srgbClr val="14171A"/>
+                </a:solidFill>
+                <a:effectLst/>
+                <a:latin typeface="Arial" panose="020B0604020202020204" pitchFamily="34" charset="0"/>
+                <a:cs typeface="Arial" panose="020B0604020202020204" pitchFamily="34" charset="0"/>
+              </a:rPr>
+              <a:t> flag from the model to string of 'True' or 'False' for the view.</a:t>
+            </a:r>
+          </a:p>
+          <a:p>
+            <a:pPr lvl="1" algn="just"/>
+            <a:r>
+              <a:rPr lang="en-US" b="1" i="0" dirty="0">
+                <a:solidFill>
+                  <a:srgbClr val="14171A"/>
+                </a:solidFill>
+                <a:effectLst/>
+                <a:latin typeface="Arial" panose="020B0604020202020204" pitchFamily="34" charset="0"/>
+                <a:cs typeface="Arial" panose="020B0604020202020204" pitchFamily="34" charset="0"/>
+              </a:rPr>
+              <a:t>View</a:t>
+            </a:r>
+            <a:r>
+              <a:rPr lang="en-US" dirty="0">
+                <a:solidFill>
+                  <a:srgbClr val="14171A"/>
+                </a:solidFill>
+                <a:latin typeface="Arial" panose="020B0604020202020204" pitchFamily="34" charset="0"/>
+                <a:cs typeface="Arial" panose="020B0604020202020204" pitchFamily="34" charset="0"/>
+              </a:rPr>
+              <a:t>: The GUI that the user sees</a:t>
+            </a:r>
+            <a:r>
+              <a:rPr lang="en-US" b="0" i="0" dirty="0">
+                <a:solidFill>
+                  <a:srgbClr val="14171A"/>
+                </a:solidFill>
+                <a:effectLst/>
+                <a:latin typeface="Arial" panose="020B0604020202020204" pitchFamily="34" charset="0"/>
+                <a:cs typeface="Arial" panose="020B0604020202020204" pitchFamily="34" charset="0"/>
+              </a:rPr>
+              <a:t>.</a:t>
+            </a:r>
+          </a:p>
+          <a:p>
+            <a:pPr lvl="1" algn="just"/>
+            <a:r>
+              <a:rPr lang="en-US" b="1" i="0" dirty="0" err="1">
+                <a:solidFill>
+                  <a:srgbClr val="14171A"/>
+                </a:solidFill>
+                <a:effectLst/>
+                <a:latin typeface="Arial" panose="020B0604020202020204" pitchFamily="34" charset="0"/>
+                <a:cs typeface="Arial" panose="020B0604020202020204" pitchFamily="34" charset="0"/>
               </a:rPr>
               <a:t>ViewModel</a:t>
             </a:r>
             <a:r>
-              <a:rPr lang="en-IN" dirty="0">
-                <a:solidFill>
-                  <a:srgbClr val="171717"/>
-                </a:solidFill>
-                <a:latin typeface="Segoe UI" panose="020B0502040204020203" pitchFamily="34" charset="0"/>
-                <a:cs typeface="Segoe UI" panose="020B0502040204020203" pitchFamily="34" charset="0"/>
+              <a:rPr lang="en-US" dirty="0">
+                <a:solidFill>
+                  <a:srgbClr val="14171A"/>
+                </a:solidFill>
+                <a:latin typeface="Arial" panose="020B0604020202020204" pitchFamily="34" charset="0"/>
+                <a:cs typeface="Arial" panose="020B0604020202020204" pitchFamily="34" charset="0"/>
               </a:rPr>
-              <a:t> and the Model can be unit tested independent of the View.</a:t>
-            </a:r>
-          </a:p>
-          <a:p>
-            <a:pPr lvl="1"/>
-            <a:r>
-              <a:rPr lang="en-IN" dirty="0">
-                <a:solidFill>
-                  <a:srgbClr val="171717"/>
-                </a:solidFill>
-                <a:latin typeface="Segoe UI" panose="020B0502040204020203" pitchFamily="34" charset="0"/>
-                <a:cs typeface="Segoe UI" panose="020B0502040204020203" pitchFamily="34" charset="0"/>
+              <a:t>: Connects the view to the business logic.</a:t>
+            </a:r>
+          </a:p>
+          <a:p>
+            <a:pPr lvl="1" algn="just"/>
+            <a:r>
+              <a:rPr lang="en-US" b="1" i="0" dirty="0">
+                <a:solidFill>
+                  <a:srgbClr val="14171A"/>
+                </a:solidFill>
+                <a:effectLst/>
+                <a:latin typeface="Arial" panose="020B0604020202020204" pitchFamily="34" charset="0"/>
+                <a:cs typeface="Arial" panose="020B0604020202020204" pitchFamily="34" charset="0"/>
               </a:rPr>
-              <a:t>The View can be remodelled independently.</a:t>
-            </a:r>
-          </a:p>
-          <a:p>
-            <a:pPr lvl="1"/>
-            <a:r>
-              <a:rPr lang="en-IN" dirty="0">
-                <a:solidFill>
-                  <a:srgbClr val="171717"/>
-                </a:solidFill>
-                <a:latin typeface="Segoe UI" panose="020B0502040204020203" pitchFamily="34" charset="0"/>
-                <a:cs typeface="Segoe UI" panose="020B0502040204020203" pitchFamily="34" charset="0"/>
+              <a:t>Data B</a:t>
+            </a:r>
+            <a:r>
+              <a:rPr lang="en-US" b="1" dirty="0">
+                <a:solidFill>
+                  <a:srgbClr val="14171A"/>
+                </a:solidFill>
+                <a:latin typeface="Arial" panose="020B0604020202020204" pitchFamily="34" charset="0"/>
+                <a:cs typeface="Arial" panose="020B0604020202020204" pitchFamily="34" charset="0"/>
               </a:rPr>
-              <a:t>Design and development can go in parallel, and mostly independent of each other.</a:t>
-            </a:r>
-          </a:p>
-          <a:p>
-            <a:r>
-              <a:rPr lang="en-IN" dirty="0">
-                <a:latin typeface="Segoe UI" panose="020B0502040204020203" pitchFamily="34" charset="0"/>
-                <a:cs typeface="Segoe UI" panose="020B0502040204020203" pitchFamily="34" charset="0"/>
+              <a:t>indings</a:t>
+            </a:r>
+            <a:r>
+              <a:rPr lang="en-US" dirty="0">
+                <a:solidFill>
+                  <a:srgbClr val="14171A"/>
+                </a:solidFill>
+                <a:latin typeface="Arial" panose="020B0604020202020204" pitchFamily="34" charset="0"/>
+                <a:cs typeface="Arial" panose="020B0604020202020204" pitchFamily="34" charset="0"/>
               </a:rPr>
-              <a:t>Disadvantages:</a:t>
-            </a:r>
-          </a:p>
-          <a:p>
-            <a:pPr lvl="1"/>
-            <a:r>
-              <a:rPr lang="en-IN" dirty="0">
-                <a:solidFill>
-                  <a:srgbClr val="171717"/>
-                </a:solidFill>
-                <a:latin typeface="Segoe UI" panose="020B0502040204020203" pitchFamily="34" charset="0"/>
-                <a:cs typeface="Segoe UI" panose="020B0502040204020203" pitchFamily="34" charset="0"/>
+              <a:t>: Two-way communication between the View and the </a:t>
+            </a:r>
+            <a:r>
+              <a:rPr lang="en-US" dirty="0" err="1">
+                <a:solidFill>
+                  <a:srgbClr val="14171A"/>
+                </a:solidFill>
+                <a:latin typeface="Arial" panose="020B0604020202020204" pitchFamily="34" charset="0"/>
+                <a:cs typeface="Arial" panose="020B0604020202020204" pitchFamily="34" charset="0"/>
               </a:rPr>
-              <a:t>Overkill for smaller applications.</a:t>
-            </a:r>
-          </a:p>
-          <a:p>
-            <a:pPr lvl="1"/>
-            <a:r>
-              <a:rPr lang="en-IN" dirty="0">
-                <a:solidFill>
-                  <a:srgbClr val="171717"/>
-                </a:solidFill>
-                <a:latin typeface="Segoe UI" panose="020B0502040204020203" pitchFamily="34" charset="0"/>
-                <a:cs typeface="Segoe UI" panose="020B0502040204020203" pitchFamily="34" charset="0"/>
+              <a:t>ViewModel</a:t>
+            </a:r>
+            <a:r>
+              <a:rPr lang="en-US" dirty="0">
+                <a:solidFill>
+                  <a:srgbClr val="14171A"/>
+                </a:solidFill>
+                <a:latin typeface="Arial" panose="020B0604020202020204" pitchFamily="34" charset="0"/>
+                <a:cs typeface="Arial" panose="020B0604020202020204" pitchFamily="34" charset="0"/>
               </a:rPr>
-              <a:t>Complex data bindings can be hard to debug.</a:t>
-            </a:r>
-          </a:p>
-          <a:p>
-            <a:r>
-              <a:rPr lang="en-IN" dirty="0">
-                <a:latin typeface="Segoe UI" panose="020B0502040204020203" pitchFamily="34" charset="0"/>
-                <a:cs typeface="Segoe UI" panose="020B0502040204020203" pitchFamily="34" charset="0"/>
-              </a:rPr>
-              <a:t>References:</a:t>
-            </a:r>
-          </a:p>
-          <a:p>
-            <a:pPr lvl="1"/>
+              <a:t>.</a:t>
+            </a:r>
+            <a:endParaRPr lang="en-US" b="0" i="0" dirty="0">
+              <a:solidFill>
+                <a:srgbClr val="14171A"/>
+              </a:solidFill>
+              <a:effectLst/>
+              <a:latin typeface="Arial" panose="020B0604020202020204" pitchFamily="34" charset="0"/>
+              <a:cs typeface="Arial" panose="020B0604020202020204" pitchFamily="34" charset="0"/>
+            </a:endParaRPr>
+          </a:p>
+          <a:p>
             <a:r>
               <a:rPr lang="en-US" dirty="0">
-                <a:latin typeface="Segoe UI" panose="020B0502040204020203" pitchFamily="34" charset="0"/>
-                <a:cs typeface="Segoe UI" panose="020B0502040204020203" pitchFamily="34" charset="0"/>
+                <a:latin typeface="Arial" panose="020B0604020202020204" pitchFamily="34" charset="0"/>
+                <a:cs typeface="Arial" panose="020B0604020202020204" pitchFamily="34" charset="0"/>
                 <a:hlinkClick r:id="rId2"/>
               </a:rPr>
               <a:t>MVVM - Writing a Testable Presentation Layer with MVVM | Microsoft Docs</a:t>
             </a:r>
             <a:endParaRPr lang="en-IN" dirty="0">
-              <a:latin typeface="Segoe UI" panose="020B0502040204020203" pitchFamily="34" charset="0"/>
-              <a:cs typeface="Segoe UI" panose="020B0502040204020203" pitchFamily="34" charset="0"/>
+              <a:latin typeface="Arial" panose="020B0604020202020204" pitchFamily="34" charset="0"/>
+              <a:cs typeface="Arial" panose="020B0604020202020204" pitchFamily="34" charset="0"/>
             </a:endParaRPr>
           </a:p>
           <a:p>
@@ -7308,6 +7543,36 @@
           </a:p>
         </p:txBody>
       </p:sp>
+      <p:pic>
+        <p:nvPicPr>
+          <p:cNvPr id="5" name="Picture 4">
+            <a:extLst>
+              <a:ext uri="{FF2B5EF4-FFF2-40B4-BE49-F238E27FC236}">
+                <a16:creationId xmlns:a16="http://schemas.microsoft.com/office/drawing/2014/main" id="{E77973C2-B441-1C6B-E41E-F6020F192C55}"/>
+              </a:ext>
+            </a:extLst>
+          </p:cNvPr>
+          <p:cNvPicPr>
+            <a:picLocks noChangeAspect="1"/>
+          </p:cNvPicPr>
+          <p:nvPr/>
+        </p:nvPicPr>
+        <p:blipFill>
+          <a:blip r:embed="rId3"/>
+          <a:stretch>
+            <a:fillRect/>
+          </a:stretch>
+        </p:blipFill>
+        <p:spPr>
+          <a:xfrm>
+            <a:off x="1742499" y="1390545"/>
+            <a:ext cx="7836303" cy="2038455"/>
+          </a:xfrm>
+          <a:prstGeom prst="rect">
+            <a:avLst/>
+          </a:prstGeom>
+        </p:spPr>
+      </p:pic>
     </p:spTree>
     <p:extLst>
       <p:ext uri="{BB962C8B-B14F-4D97-AF65-F5344CB8AC3E}">
@@ -7343,7 +7608,7 @@
           <p:cNvPr id="2" name="Title 1">
             <a:extLst>
               <a:ext uri="{FF2B5EF4-FFF2-40B4-BE49-F238E27FC236}">
-                <a16:creationId xmlns:a16="http://schemas.microsoft.com/office/drawing/2014/main" id="{A98A255D-8CA8-556A-882B-D902B68B4934}"/>
+                <a16:creationId xmlns:a16="http://schemas.microsoft.com/office/drawing/2014/main" id="{E2C7E7F4-72D5-83AD-8791-DB5465B13380}"/>
               </a:ext>
             </a:extLst>
           </p:cNvPr>
@@ -7354,15 +7619,25 @@
             <p:ph type="title"/>
           </p:nvPr>
         </p:nvSpPr>
-        <p:spPr/>
+        <p:spPr>
+          <a:xfrm>
+            <a:off x="677334" y="451513"/>
+            <a:ext cx="8596668" cy="1320800"/>
+          </a:xfrm>
+        </p:spPr>
         <p:txBody>
           <a:bodyPr/>
           <a:lstStyle/>
           <a:p>
             <a:r>
               <a:rPr lang="en-IN" dirty="0"/>
-              <a:t>GUI programming fundamentals</a:t>
-            </a:r>
+              <a:t>Model-View-</a:t>
+            </a:r>
+            <a:r>
+              <a:rPr lang="en-IN" dirty="0" err="1"/>
+              <a:t>ViewModel</a:t>
+            </a:r>
+            <a:endParaRPr lang="en-IN" dirty="0"/>
           </a:p>
         </p:txBody>
       </p:sp>
@@ -7371,7 +7646,7 @@
           <p:cNvPr id="3" name="Content Placeholder 2">
             <a:extLst>
               <a:ext uri="{FF2B5EF4-FFF2-40B4-BE49-F238E27FC236}">
-                <a16:creationId xmlns:a16="http://schemas.microsoft.com/office/drawing/2014/main" id="{5A03B69B-9310-7971-6CEC-6AB8268E7AB2}"/>
+                <a16:creationId xmlns:a16="http://schemas.microsoft.com/office/drawing/2014/main" id="{B24C0CF7-6AA4-4BCA-9AD9-CB6A25259E5D}"/>
               </a:ext>
             </a:extLst>
           </p:cNvPr>
@@ -7382,86 +7657,189 @@
             <p:ph idx="1"/>
           </p:nvPr>
         </p:nvSpPr>
-        <p:spPr/>
-        <p:txBody>
-          <a:bodyPr/>
-          <a:lstStyle/>
+        <p:spPr>
+          <a:xfrm>
+            <a:off x="406400" y="1452880"/>
+            <a:ext cx="11409680" cy="5191760"/>
+          </a:xfrm>
+        </p:spPr>
+        <p:txBody>
+          <a:bodyPr>
+            <a:normAutofit/>
+          </a:bodyPr>
+          <a:lstStyle/>
+          <a:p>
+            <a:endParaRPr lang="en-IN" dirty="0">
+              <a:solidFill>
+                <a:srgbClr val="171717"/>
+              </a:solidFill>
+              <a:latin typeface="Segoe UI" panose="020B0502040204020203" pitchFamily="34" charset="0"/>
+              <a:cs typeface="Segoe UI" panose="020B0502040204020203" pitchFamily="34" charset="0"/>
+            </a:endParaRPr>
+          </a:p>
+          <a:p>
+            <a:r>
+              <a:rPr lang="en-IN" dirty="0">
+                <a:solidFill>
+                  <a:srgbClr val="171717"/>
+                </a:solidFill>
+                <a:latin typeface="Segoe UI" panose="020B0502040204020203" pitchFamily="34" charset="0"/>
+                <a:cs typeface="Segoe UI" panose="020B0502040204020203" pitchFamily="34" charset="0"/>
+              </a:rPr>
+              <a:t>Advantages:</a:t>
+            </a:r>
+          </a:p>
+          <a:p>
+            <a:pPr lvl="1"/>
+            <a:r>
+              <a:rPr lang="en-IN" dirty="0">
+                <a:solidFill>
+                  <a:srgbClr val="171717"/>
+                </a:solidFill>
+                <a:latin typeface="Segoe UI" panose="020B0502040204020203" pitchFamily="34" charset="0"/>
+                <a:cs typeface="Segoe UI" panose="020B0502040204020203" pitchFamily="34" charset="0"/>
+              </a:rPr>
+              <a:t>Business logic separated from the UI layout. Connected via the </a:t>
+            </a:r>
+            <a:r>
+              <a:rPr lang="en-IN" dirty="0" err="1">
+                <a:solidFill>
+                  <a:srgbClr val="171717"/>
+                </a:solidFill>
+                <a:latin typeface="Segoe UI" panose="020B0502040204020203" pitchFamily="34" charset="0"/>
+                <a:cs typeface="Segoe UI" panose="020B0502040204020203" pitchFamily="34" charset="0"/>
+              </a:rPr>
+              <a:t>ViewModel</a:t>
+            </a:r>
+            <a:r>
+              <a:rPr lang="en-IN" dirty="0">
+                <a:solidFill>
+                  <a:srgbClr val="171717"/>
+                </a:solidFill>
+                <a:latin typeface="Segoe UI" panose="020B0502040204020203" pitchFamily="34" charset="0"/>
+                <a:cs typeface="Segoe UI" panose="020B0502040204020203" pitchFamily="34" charset="0"/>
+              </a:rPr>
+              <a:t> adapter.</a:t>
+            </a:r>
+          </a:p>
+          <a:p>
+            <a:pPr lvl="1"/>
+            <a:r>
+              <a:rPr lang="en-IN" dirty="0">
+                <a:solidFill>
+                  <a:srgbClr val="171717"/>
+                </a:solidFill>
+                <a:latin typeface="Segoe UI" panose="020B0502040204020203" pitchFamily="34" charset="0"/>
+                <a:cs typeface="Segoe UI" panose="020B0502040204020203" pitchFamily="34" charset="0"/>
+              </a:rPr>
+              <a:t>The </a:t>
+            </a:r>
+            <a:r>
+              <a:rPr lang="en-IN" dirty="0" err="1">
+                <a:solidFill>
+                  <a:srgbClr val="171717"/>
+                </a:solidFill>
+                <a:latin typeface="Segoe UI" panose="020B0502040204020203" pitchFamily="34" charset="0"/>
+                <a:cs typeface="Segoe UI" panose="020B0502040204020203" pitchFamily="34" charset="0"/>
+              </a:rPr>
+              <a:t>ViewModel</a:t>
+            </a:r>
+            <a:r>
+              <a:rPr lang="en-IN" dirty="0">
+                <a:solidFill>
+                  <a:srgbClr val="171717"/>
+                </a:solidFill>
+                <a:latin typeface="Segoe UI" panose="020B0502040204020203" pitchFamily="34" charset="0"/>
+                <a:cs typeface="Segoe UI" panose="020B0502040204020203" pitchFamily="34" charset="0"/>
+              </a:rPr>
+              <a:t> and the Model can be unit tested independent of the View.</a:t>
+            </a:r>
+          </a:p>
+          <a:p>
+            <a:pPr lvl="1"/>
+            <a:r>
+              <a:rPr lang="en-IN" dirty="0">
+                <a:solidFill>
+                  <a:srgbClr val="171717"/>
+                </a:solidFill>
+                <a:latin typeface="Segoe UI" panose="020B0502040204020203" pitchFamily="34" charset="0"/>
+                <a:cs typeface="Segoe UI" panose="020B0502040204020203" pitchFamily="34" charset="0"/>
+              </a:rPr>
+              <a:t>The View can be remodelled independently.</a:t>
+            </a:r>
+          </a:p>
+          <a:p>
+            <a:pPr lvl="1"/>
+            <a:r>
+              <a:rPr lang="en-IN" dirty="0">
+                <a:solidFill>
+                  <a:srgbClr val="171717"/>
+                </a:solidFill>
+                <a:latin typeface="Segoe UI" panose="020B0502040204020203" pitchFamily="34" charset="0"/>
+                <a:cs typeface="Segoe UI" panose="020B0502040204020203" pitchFamily="34" charset="0"/>
+              </a:rPr>
+              <a:t>Design and development can go in parallel, and mostly independent of each other. </a:t>
+            </a:r>
+            <a:r>
+              <a:rPr lang="en-US" b="0" i="0" dirty="0">
+                <a:solidFill>
+                  <a:srgbClr val="161616"/>
+                </a:solidFill>
+                <a:effectLst/>
+                <a:latin typeface="Segoe UI" panose="020B0502040204020203" pitchFamily="34" charset="0"/>
+              </a:rPr>
+              <a:t>Designers can focus on the view, while developers can work on the view model and model components.</a:t>
+            </a:r>
+          </a:p>
+          <a:p>
+            <a:pPr marL="457200" lvl="1" indent="0">
+              <a:buNone/>
+            </a:pPr>
+            <a:endParaRPr lang="en-IN" dirty="0">
+              <a:solidFill>
+                <a:srgbClr val="171717"/>
+              </a:solidFill>
+              <a:latin typeface="Segoe UI" panose="020B0502040204020203" pitchFamily="34" charset="0"/>
+              <a:cs typeface="Segoe UI" panose="020B0502040204020203" pitchFamily="34" charset="0"/>
+            </a:endParaRPr>
+          </a:p>
           <a:p>
             <a:r>
               <a:rPr lang="en-IN" dirty="0">
                 <a:latin typeface="Segoe UI" panose="020B0502040204020203" pitchFamily="34" charset="0"/>
                 <a:cs typeface="Segoe UI" panose="020B0502040204020203" pitchFamily="34" charset="0"/>
               </a:rPr>
-              <a:t>Core principles:</a:t>
+              <a:t>Disadvantages:</a:t>
             </a:r>
           </a:p>
           <a:p>
             <a:pPr lvl="1"/>
             <a:r>
               <a:rPr lang="en-IN" dirty="0">
+                <a:solidFill>
+                  <a:srgbClr val="171717"/>
+                </a:solidFill>
                 <a:latin typeface="Segoe UI" panose="020B0502040204020203" pitchFamily="34" charset="0"/>
                 <a:cs typeface="Segoe UI" panose="020B0502040204020203" pitchFamily="34" charset="0"/>
               </a:rPr>
-              <a:t>Keep UI thread responsive. Delegate to worker threads to unblock the UI thread.</a:t>
+              <a:t>Overkill for smaller applications.</a:t>
             </a:r>
           </a:p>
           <a:p>
             <a:pPr lvl="1"/>
             <a:r>
               <a:rPr lang="en-IN" dirty="0">
+                <a:solidFill>
+                  <a:srgbClr val="171717"/>
+                </a:solidFill>
                 <a:latin typeface="Segoe UI" panose="020B0502040204020203" pitchFamily="34" charset="0"/>
                 <a:cs typeface="Segoe UI" panose="020B0502040204020203" pitchFamily="34" charset="0"/>
               </a:rPr>
-              <a:t>Access UI elements only on the UI thread (on most UI frameworks, including WPF).</a:t>
-            </a:r>
-          </a:p>
-          <a:p>
-            <a:pPr marL="457200" lvl="1" indent="0">
-              <a:buNone/>
-            </a:pPr>
-            <a:endParaRPr lang="en-IN" dirty="0">
-              <a:latin typeface="Segoe UI" panose="020B0502040204020203" pitchFamily="34" charset="0"/>
-              <a:cs typeface="Segoe UI" panose="020B0502040204020203" pitchFamily="34" charset="0"/>
-            </a:endParaRPr>
-          </a:p>
-          <a:p>
-            <a:r>
-              <a:rPr lang="en-IN" dirty="0">
-                <a:latin typeface="Segoe UI" panose="020B0502040204020203" pitchFamily="34" charset="0"/>
-                <a:cs typeface="Segoe UI" panose="020B0502040204020203" pitchFamily="34" charset="0"/>
-              </a:rPr>
-              <a:t>References:</a:t>
-            </a:r>
-          </a:p>
-          <a:p>
-            <a:pPr lvl="1"/>
-            <a:r>
-              <a:rPr lang="en-US" dirty="0">
-                <a:latin typeface="Segoe UI" panose="020B0502040204020203" pitchFamily="34" charset="0"/>
-                <a:cs typeface="Segoe UI" panose="020B0502040204020203" pitchFamily="34" charset="0"/>
-                <a:hlinkClick r:id="rId2"/>
-              </a:rPr>
-              <a:t>Keep the UI thread responsive - UWP applications | Microsoft Docs</a:t>
-            </a:r>
-            <a:endParaRPr lang="en-IN" dirty="0">
-              <a:latin typeface="Segoe UI" panose="020B0502040204020203" pitchFamily="34" charset="0"/>
-              <a:cs typeface="Segoe UI" panose="020B0502040204020203" pitchFamily="34" charset="0"/>
-            </a:endParaRPr>
-          </a:p>
-          <a:p>
-            <a:pPr lvl="1"/>
-            <a:r>
-              <a:rPr lang="en-US" dirty="0">
-                <a:latin typeface="Segoe UI" panose="020B0502040204020203" pitchFamily="34" charset="0"/>
-                <a:cs typeface="Segoe UI" panose="020B0502040204020203" pitchFamily="34" charset="0"/>
-                <a:hlinkClick r:id="rId3"/>
-              </a:rPr>
-              <a:t>Calling Synchronous Methods Asynchronously | Microsoft Docs</a:t>
-            </a:r>
-            <a:endParaRPr lang="en-IN" dirty="0">
-              <a:latin typeface="Segoe UI" panose="020B0502040204020203" pitchFamily="34" charset="0"/>
-              <a:cs typeface="Segoe UI" panose="020B0502040204020203" pitchFamily="34" charset="0"/>
-            </a:endParaRPr>
+              <a:t>Complex data bindings can be hard to debug.</a:t>
+            </a:r>
+          </a:p>
+          <a:p>
+            <a:endParaRPr lang="en-IN" dirty="0"/>
           </a:p>
         </p:txBody>
       </p:sp>
@@ -7470,7 +7848,7 @@
           <p:cNvPr id="4" name="Slide Number Placeholder 3">
             <a:extLst>
               <a:ext uri="{FF2B5EF4-FFF2-40B4-BE49-F238E27FC236}">
-                <a16:creationId xmlns:a16="http://schemas.microsoft.com/office/drawing/2014/main" id="{271FB05D-51C7-3B65-135C-9EB8EFCED914}"/>
+                <a16:creationId xmlns:a16="http://schemas.microsoft.com/office/drawing/2014/main" id="{7EA38265-0549-3EB8-932E-E320FF830D29}"/>
               </a:ext>
             </a:extLst>
           </p:cNvPr>
@@ -7497,7 +7875,7 @@
     </p:spTree>
     <p:extLst>
       <p:ext uri="{BB962C8B-B14F-4D97-AF65-F5344CB8AC3E}">
-        <p14:creationId xmlns:p14="http://schemas.microsoft.com/office/powerpoint/2010/main" val="1542323322"/>
+        <p14:creationId xmlns:p14="http://schemas.microsoft.com/office/powerpoint/2010/main" val="2484842157"/>
       </p:ext>
     </p:extLst>
   </p:cSld>
@@ -7529,7 +7907,7 @@
           <p:cNvPr id="2" name="Title 1">
             <a:extLst>
               <a:ext uri="{FF2B5EF4-FFF2-40B4-BE49-F238E27FC236}">
-                <a16:creationId xmlns:a16="http://schemas.microsoft.com/office/drawing/2014/main" id="{A7165686-E6EA-E936-D2B2-88A2A65B0AA2}"/>
+                <a16:creationId xmlns:a16="http://schemas.microsoft.com/office/drawing/2014/main" id="{A98A255D-8CA8-556A-882B-D902B68B4934}"/>
               </a:ext>
             </a:extLst>
           </p:cNvPr>
@@ -7546,10 +7924,9 @@
           <a:lstStyle/>
           <a:p>
             <a:r>
-              <a:rPr lang="en-US" dirty="0"/>
-              <a:t>Code Samples</a:t>
-            </a:r>
-            <a:endParaRPr lang="en-IN" dirty="0"/>
+              <a:rPr lang="en-IN" dirty="0"/>
+              <a:t>GUI programming fundamentals</a:t>
+            </a:r>
           </a:p>
         </p:txBody>
       </p:sp>
@@ -7558,7 +7935,7 @@
           <p:cNvPr id="3" name="Content Placeholder 2">
             <a:extLst>
               <a:ext uri="{FF2B5EF4-FFF2-40B4-BE49-F238E27FC236}">
-                <a16:creationId xmlns:a16="http://schemas.microsoft.com/office/drawing/2014/main" id="{6BA625FB-C556-912E-238A-6821AADAAA8A}"/>
+                <a16:creationId xmlns:a16="http://schemas.microsoft.com/office/drawing/2014/main" id="{5A03B69B-9310-7971-6CEC-6AB8268E7AB2}"/>
               </a:ext>
             </a:extLst>
           </p:cNvPr>
@@ -7575,45 +7952,80 @@
           <a:lstStyle/>
           <a:p>
             <a:r>
+              <a:rPr lang="en-IN" dirty="0">
+                <a:latin typeface="Segoe UI" panose="020B0502040204020203" pitchFamily="34" charset="0"/>
+                <a:cs typeface="Segoe UI" panose="020B0502040204020203" pitchFamily="34" charset="0"/>
+              </a:rPr>
+              <a:t>Core principles:</a:t>
+            </a:r>
+          </a:p>
+          <a:p>
+            <a:pPr lvl="1"/>
+            <a:r>
+              <a:rPr lang="en-IN" dirty="0">
+                <a:latin typeface="Segoe UI" panose="020B0502040204020203" pitchFamily="34" charset="0"/>
+                <a:cs typeface="Segoe UI" panose="020B0502040204020203" pitchFamily="34" charset="0"/>
+              </a:rPr>
+              <a:t>Keep UI thread responsive. Delegate to worker threads to unblock the UI thread.</a:t>
+            </a:r>
+          </a:p>
+          <a:p>
+            <a:pPr lvl="1"/>
+            <a:r>
+              <a:rPr lang="en-IN" dirty="0">
+                <a:latin typeface="Segoe UI" panose="020B0502040204020203" pitchFamily="34" charset="0"/>
+                <a:cs typeface="Segoe UI" panose="020B0502040204020203" pitchFamily="34" charset="0"/>
+              </a:rPr>
+              <a:t>Access UI elements only on the UI thread (on most UI frameworks, including WPF).</a:t>
+            </a:r>
+          </a:p>
+          <a:p>
+            <a:pPr marL="457200" lvl="1" indent="0">
+              <a:buNone/>
+            </a:pPr>
+            <a:endParaRPr lang="en-IN" dirty="0">
+              <a:latin typeface="Segoe UI" panose="020B0502040204020203" pitchFamily="34" charset="0"/>
+              <a:cs typeface="Segoe UI" panose="020B0502040204020203" pitchFamily="34" charset="0"/>
+            </a:endParaRPr>
+          </a:p>
+          <a:p>
+            <a:r>
+              <a:rPr lang="en-IN" dirty="0">
+                <a:latin typeface="Segoe UI" panose="020B0502040204020203" pitchFamily="34" charset="0"/>
+                <a:cs typeface="Segoe UI" panose="020B0502040204020203" pitchFamily="34" charset="0"/>
+              </a:rPr>
+              <a:t>References:</a:t>
+            </a:r>
+          </a:p>
+          <a:p>
+            <a:pPr lvl="1"/>
+            <a:r>
               <a:rPr lang="en-US" dirty="0">
+                <a:latin typeface="Segoe UI" panose="020B0502040204020203" pitchFamily="34" charset="0"/>
+                <a:cs typeface="Segoe UI" panose="020B0502040204020203" pitchFamily="34" charset="0"/>
                 <a:hlinkClick r:id="rId2"/>
               </a:rPr>
-              <a:t>chittur/distributed-and-</a:t>
-            </a:r>
-            <a:r>
-              <a:rPr lang="en-US" dirty="0" err="1">
-                <a:hlinkClick r:id="rId2"/>
-              </a:rPr>
-              <a:t>gui</a:t>
-            </a:r>
+              <a:t>Keep the UI thread responsive - UWP applications | Microsoft Docs</a:t>
+            </a:r>
+            <a:endParaRPr lang="en-IN" dirty="0">
+              <a:latin typeface="Segoe UI" panose="020B0502040204020203" pitchFamily="34" charset="0"/>
+              <a:cs typeface="Segoe UI" panose="020B0502040204020203" pitchFamily="34" charset="0"/>
+            </a:endParaRPr>
+          </a:p>
+          <a:p>
+            <a:pPr lvl="1"/>
             <a:r>
               <a:rPr lang="en-US" dirty="0">
-                <a:hlinkClick r:id="rId2"/>
-              </a:rPr>
-              <a:t>-demo: Demonstrates a distributed computing software that also involves GUI (github.com)</a:t>
-            </a:r>
-            <a:endParaRPr lang="en-US" dirty="0"/>
-          </a:p>
-          <a:p>
-            <a:r>
-              <a:rPr lang="en-US" dirty="0">
+                <a:latin typeface="Segoe UI" panose="020B0502040204020203" pitchFamily="34" charset="0"/>
+                <a:cs typeface="Segoe UI" panose="020B0502040204020203" pitchFamily="34" charset="0"/>
                 <a:hlinkClick r:id="rId3"/>
               </a:rPr>
-              <a:t>chittur/</a:t>
-            </a:r>
-            <a:r>
-              <a:rPr lang="en-US" dirty="0" err="1">
-                <a:hlinkClick r:id="rId3"/>
-              </a:rPr>
-              <a:t>mvvm</a:t>
-            </a:r>
-            <a:r>
-              <a:rPr lang="en-US" dirty="0">
-                <a:hlinkClick r:id="rId3"/>
-              </a:rPr>
-              <a:t>-custom-binding: Sample project that demonstrates how to apply custom logic to a binding using MVVM design pattern. (github.com)</a:t>
-            </a:r>
-            <a:endParaRPr lang="en-IN" dirty="0"/>
+              <a:t>Calling Synchronous Methods Asynchronously | Microsoft Docs</a:t>
+            </a:r>
+            <a:endParaRPr lang="en-IN" dirty="0">
+              <a:latin typeface="Segoe UI" panose="020B0502040204020203" pitchFamily="34" charset="0"/>
+              <a:cs typeface="Segoe UI" panose="020B0502040204020203" pitchFamily="34" charset="0"/>
+            </a:endParaRPr>
           </a:p>
         </p:txBody>
       </p:sp>
@@ -7622,7 +8034,7 @@
           <p:cNvPr id="4" name="Slide Number Placeholder 3">
             <a:extLst>
               <a:ext uri="{FF2B5EF4-FFF2-40B4-BE49-F238E27FC236}">
-                <a16:creationId xmlns:a16="http://schemas.microsoft.com/office/drawing/2014/main" id="{0425695B-2A6C-316C-0EE9-917A81C7D44C}"/>
+                <a16:creationId xmlns:a16="http://schemas.microsoft.com/office/drawing/2014/main" id="{271FB05D-51C7-3B65-135C-9EB8EFCED914}"/>
               </a:ext>
             </a:extLst>
           </p:cNvPr>
@@ -7649,7 +8061,7 @@
     </p:spTree>
     <p:extLst>
       <p:ext uri="{BB962C8B-B14F-4D97-AF65-F5344CB8AC3E}">
-        <p14:creationId xmlns:p14="http://schemas.microsoft.com/office/powerpoint/2010/main" val="1751974863"/>
+        <p14:creationId xmlns:p14="http://schemas.microsoft.com/office/powerpoint/2010/main" val="1542323322"/>
       </p:ext>
     </p:extLst>
   </p:cSld>
@@ -7681,6 +8093,158 @@
           <p:cNvPr id="2" name="Title 1">
             <a:extLst>
               <a:ext uri="{FF2B5EF4-FFF2-40B4-BE49-F238E27FC236}">
+                <a16:creationId xmlns:a16="http://schemas.microsoft.com/office/drawing/2014/main" id="{A7165686-E6EA-E936-D2B2-88A2A65B0AA2}"/>
+              </a:ext>
+            </a:extLst>
+          </p:cNvPr>
+          <p:cNvSpPr>
+            <a:spLocks noGrp="1"/>
+          </p:cNvSpPr>
+          <p:nvPr>
+            <p:ph type="title"/>
+          </p:nvPr>
+        </p:nvSpPr>
+        <p:spPr/>
+        <p:txBody>
+          <a:bodyPr/>
+          <a:lstStyle/>
+          <a:p>
+            <a:r>
+              <a:rPr lang="en-US" dirty="0"/>
+              <a:t>Code Samples</a:t>
+            </a:r>
+            <a:endParaRPr lang="en-IN" dirty="0"/>
+          </a:p>
+        </p:txBody>
+      </p:sp>
+      <p:sp>
+        <p:nvSpPr>
+          <p:cNvPr id="3" name="Content Placeholder 2">
+            <a:extLst>
+              <a:ext uri="{FF2B5EF4-FFF2-40B4-BE49-F238E27FC236}">
+                <a16:creationId xmlns:a16="http://schemas.microsoft.com/office/drawing/2014/main" id="{6BA625FB-C556-912E-238A-6821AADAAA8A}"/>
+              </a:ext>
+            </a:extLst>
+          </p:cNvPr>
+          <p:cNvSpPr>
+            <a:spLocks noGrp="1"/>
+          </p:cNvSpPr>
+          <p:nvPr>
+            <p:ph idx="1"/>
+          </p:nvPr>
+        </p:nvSpPr>
+        <p:spPr/>
+        <p:txBody>
+          <a:bodyPr/>
+          <a:lstStyle/>
+          <a:p>
+            <a:r>
+              <a:rPr lang="en-US" dirty="0">
+                <a:hlinkClick r:id="rId2"/>
+              </a:rPr>
+              <a:t>chittur/distributed-and-</a:t>
+            </a:r>
+            <a:r>
+              <a:rPr lang="en-US" dirty="0" err="1">
+                <a:hlinkClick r:id="rId2"/>
+              </a:rPr>
+              <a:t>gui</a:t>
+            </a:r>
+            <a:r>
+              <a:rPr lang="en-US" dirty="0">
+                <a:hlinkClick r:id="rId2"/>
+              </a:rPr>
+              <a:t>-demo: Demonstrates a distributed computing software that also involves GUI (github.com)</a:t>
+            </a:r>
+            <a:endParaRPr lang="en-US" dirty="0"/>
+          </a:p>
+          <a:p>
+            <a:r>
+              <a:rPr lang="en-US" dirty="0">
+                <a:hlinkClick r:id="rId3"/>
+              </a:rPr>
+              <a:t>chittur/</a:t>
+            </a:r>
+            <a:r>
+              <a:rPr lang="en-US" dirty="0" err="1">
+                <a:hlinkClick r:id="rId3"/>
+              </a:rPr>
+              <a:t>mvvm</a:t>
+            </a:r>
+            <a:r>
+              <a:rPr lang="en-US" dirty="0">
+                <a:hlinkClick r:id="rId3"/>
+              </a:rPr>
+              <a:t>-custom-binding: Sample project that demonstrates how to apply custom logic to a binding using MVVM design pattern. (github.com)</a:t>
+            </a:r>
+            <a:endParaRPr lang="en-IN" dirty="0"/>
+          </a:p>
+        </p:txBody>
+      </p:sp>
+      <p:sp>
+        <p:nvSpPr>
+          <p:cNvPr id="4" name="Slide Number Placeholder 3">
+            <a:extLst>
+              <a:ext uri="{FF2B5EF4-FFF2-40B4-BE49-F238E27FC236}">
+                <a16:creationId xmlns:a16="http://schemas.microsoft.com/office/drawing/2014/main" id="{0425695B-2A6C-316C-0EE9-917A81C7D44C}"/>
+              </a:ext>
+            </a:extLst>
+          </p:cNvPr>
+          <p:cNvSpPr>
+            <a:spLocks noGrp="1"/>
+          </p:cNvSpPr>
+          <p:nvPr>
+            <p:ph type="sldNum" sz="quarter" idx="12"/>
+          </p:nvPr>
+        </p:nvSpPr>
+        <p:spPr/>
+        <p:txBody>
+          <a:bodyPr/>
+          <a:lstStyle/>
+          <a:p>
+            <a:fld id="{48F63A3B-78C7-47BE-AE5E-E10140E04643}" type="slidenum">
+              <a:rPr lang="en-US" smtClean="0"/>
+              <a:t>8</a:t>
+            </a:fld>
+            <a:endParaRPr lang="en-US" dirty="0"/>
+          </a:p>
+        </p:txBody>
+      </p:sp>
+    </p:spTree>
+    <p:extLst>
+      <p:ext uri="{BB962C8B-B14F-4D97-AF65-F5344CB8AC3E}">
+        <p14:creationId xmlns:p14="http://schemas.microsoft.com/office/powerpoint/2010/main" val="1751974863"/>
+      </p:ext>
+    </p:extLst>
+  </p:cSld>
+  <p:clrMapOvr>
+    <a:masterClrMapping/>
+  </p:clrMapOvr>
+</p:sld>
+</file>
+
+<file path=ppt/slides/slide9.xml><?xml version="1.0" encoding="utf-8"?>
+<p:sld xmlns:a="http://schemas.openxmlformats.org/drawingml/2006/main" xmlns:r="http://schemas.openxmlformats.org/officeDocument/2006/relationships" xmlns:p="http://schemas.openxmlformats.org/presentationml/2006/main">
+  <p:cSld>
+    <p:spTree>
+      <p:nvGrpSpPr>
+        <p:cNvPr id="1" name=""/>
+        <p:cNvGrpSpPr/>
+        <p:nvPr/>
+      </p:nvGrpSpPr>
+      <p:grpSpPr>
+        <a:xfrm>
+          <a:off x="0" y="0"/>
+          <a:ext cx="0" cy="0"/>
+          <a:chOff x="0" y="0"/>
+          <a:chExt cx="0" cy="0"/>
+        </a:xfrm>
+      </p:grpSpPr>
+      <p:sp>
+        <p:nvSpPr>
+          <p:cNvPr id="2" name="Title 1">
+            <a:extLst>
+              <a:ext uri="{FF2B5EF4-FFF2-40B4-BE49-F238E27FC236}">
                 <a16:creationId xmlns:a16="http://schemas.microsoft.com/office/drawing/2014/main" id="{D874449C-97FD-97C4-BD26-9494230A3F81}"/>
               </a:ext>
             </a:extLst>
@@ -7752,7 +8316,7 @@
           <a:p>
             <a:fld id="{48F63A3B-78C7-47BE-AE5E-E10140E04643}" type="slidenum">
               <a:rPr lang="en-US" smtClean="0"/>
-              <a:t>8</a:t>
+              <a:t>9</a:t>
             </a:fld>
             <a:endParaRPr lang="en-US" dirty="0"/>
           </a:p>
